--- a/seeds_presentation.pptx
+++ b/seeds_presentation.pptx
@@ -7960,9 +7960,9 @@
           </p:nvPr>
         </p:nvSpPr>
         <p:spPr bwMode="auto">
-          <a:xfrm>
-            <a:off x="787828" y="1973732"/>
-            <a:ext cx="10577332" cy="4525961"/>
+          <a:xfrm flipH="0" flipV="0">
+            <a:off x="787827" y="1266917"/>
+            <a:ext cx="10577331" cy="5232775"/>
           </a:xfrm>
         </p:spPr>
         <p:txBody>
@@ -8000,21 +8000,6 @@
             <a:pPr>
               <a:defRPr/>
             </a:pPr>
-            <a:endParaRPr lang="it-IT" sz="3200" b="0" i="0" u="none" strike="noStrike" cap="none" spc="0">
-              <a:solidFill>
-                <a:schemeClr val="accent6">
-                  <a:lumMod val="50000"/>
-                </a:schemeClr>
-              </a:solidFill>
-              <a:latin typeface="Arial"/>
-              <a:ea typeface="Arial"/>
-              <a:cs typeface="Arial"/>
-            </a:endParaRPr>
-          </a:p>
-          <a:p>
-            <a:pPr>
-              <a:defRPr/>
-            </a:pPr>
             <a:r>
               <a:rPr lang="it-IT" sz="3200" b="0" i="0" u="none" strike="noStrike" cap="none" spc="0">
                 <a:solidFill>
@@ -8041,6 +8026,53 @@
           </a:p>
         </p:txBody>
       </p:sp>
+      <p:sp>
+        <p:nvSpPr>
+          <p:cNvPr id="1809843695" name="" hidden="0"/>
+          <p:cNvSpPr/>
+          <p:nvPr isPhoto="0" userDrawn="0"/>
+        </p:nvSpPr>
+        <p:spPr bwMode="auto">
+          <a:xfrm flipH="0" flipV="0">
+            <a:off x="8393432" y="5882265"/>
+            <a:ext cx="283994" cy="365795"/>
+          </a:xfrm>
+        </p:spPr>
+        <p:txBody>
+          <a:bodyPr rot="0" spcFirstLastPara="0" vertOverflow="overflow" horzOverflow="clip" vert="horz" wrap="square" lIns="91440" tIns="45720" rIns="91440" bIns="45720" numCol="1" spcCol="0" rtlCol="0" fromWordArt="0" anchor="t" anchorCtr="0" forceAA="0" upright="0" compatLnSpc="1">
+            <a:prstTxWarp prst="textNoShape"/>
+            <a:spAutoFit/>
+          </a:bodyPr>
+          <a:p>
+            <a:pPr>
+              <a:defRPr/>
+            </a:pPr>
+            <a:endParaRPr/>
+          </a:p>
+        </p:txBody>
+      </p:sp>
+      <p:pic>
+        <p:nvPicPr>
+          <p:cNvPr id="1212601649" name="" hidden="0"/>
+          <p:cNvPicPr>
+            <a:picLocks noChangeAspect="1"/>
+          </p:cNvPicPr>
+          <p:nvPr isPhoto="0" userDrawn="0"/>
+        </p:nvPicPr>
+        <p:blipFill>
+          <a:blip r:embed="rId2"/>
+          <a:stretch/>
+        </p:blipFill>
+        <p:spPr bwMode="auto">
+          <a:xfrm flipH="0" flipV="0">
+            <a:off x="2424871" y="2590425"/>
+            <a:ext cx="6694181" cy="3776748"/>
+          </a:xfrm>
+          <a:prstGeom prst="rect">
+            <a:avLst/>
+          </a:prstGeom>
+        </p:spPr>
+      </p:pic>
     </p:spTree>
   </p:cSld>
   <p:clrMapOvr>
